--- a/public/img/vignettes/icone.pptx
+++ b/public/img/vignettes/icone.pptx
@@ -6,10 +6,14 @@
   </p:sldMasterIdLst>
   <p:sldIdLst>
     <p:sldId id="256" r:id="rId2"/>
-    <p:sldId id="257" r:id="rId3"/>
-    <p:sldId id="260" r:id="rId4"/>
-    <p:sldId id="261" r:id="rId5"/>
-    <p:sldId id="259" r:id="rId6"/>
+    <p:sldId id="262" r:id="rId3"/>
+    <p:sldId id="263" r:id="rId4"/>
+    <p:sldId id="257" r:id="rId5"/>
+    <p:sldId id="260" r:id="rId6"/>
+    <p:sldId id="265" r:id="rId7"/>
+    <p:sldId id="261" r:id="rId8"/>
+    <p:sldId id="264" r:id="rId9"/>
+    <p:sldId id="259" r:id="rId10"/>
   </p:sldIdLst>
   <p:sldSz cx="12192000" cy="6858000"/>
   <p:notesSz cx="6858000" cy="9144000"/>
@@ -263,7 +267,7 @@
           <a:p>
             <a:fld id="{997FB122-61D4-C74C-913F-44DDAC4E3D51}" type="datetimeFigureOut">
               <a:rPr lang="fr-FR" smtClean="0"/>
-              <a:t>13/08/2021</a:t>
+              <a:t>23/08/2021</a:t>
             </a:fld>
             <a:endParaRPr lang="fr-FR"/>
           </a:p>
@@ -461,7 +465,7 @@
           <a:p>
             <a:fld id="{997FB122-61D4-C74C-913F-44DDAC4E3D51}" type="datetimeFigureOut">
               <a:rPr lang="fr-FR" smtClean="0"/>
-              <a:t>13/08/2021</a:t>
+              <a:t>23/08/2021</a:t>
             </a:fld>
             <a:endParaRPr lang="fr-FR"/>
           </a:p>
@@ -669,7 +673,7 @@
           <a:p>
             <a:fld id="{997FB122-61D4-C74C-913F-44DDAC4E3D51}" type="datetimeFigureOut">
               <a:rPr lang="fr-FR" smtClean="0"/>
-              <a:t>13/08/2021</a:t>
+              <a:t>23/08/2021</a:t>
             </a:fld>
             <a:endParaRPr lang="fr-FR"/>
           </a:p>
@@ -867,7 +871,7 @@
           <a:p>
             <a:fld id="{997FB122-61D4-C74C-913F-44DDAC4E3D51}" type="datetimeFigureOut">
               <a:rPr lang="fr-FR" smtClean="0"/>
-              <a:t>13/08/2021</a:t>
+              <a:t>23/08/2021</a:t>
             </a:fld>
             <a:endParaRPr lang="fr-FR"/>
           </a:p>
@@ -1142,7 +1146,7 @@
           <a:p>
             <a:fld id="{997FB122-61D4-C74C-913F-44DDAC4E3D51}" type="datetimeFigureOut">
               <a:rPr lang="fr-FR" smtClean="0"/>
-              <a:t>13/08/2021</a:t>
+              <a:t>23/08/2021</a:t>
             </a:fld>
             <a:endParaRPr lang="fr-FR"/>
           </a:p>
@@ -1407,7 +1411,7 @@
           <a:p>
             <a:fld id="{997FB122-61D4-C74C-913F-44DDAC4E3D51}" type="datetimeFigureOut">
               <a:rPr lang="fr-FR" smtClean="0"/>
-              <a:t>13/08/2021</a:t>
+              <a:t>23/08/2021</a:t>
             </a:fld>
             <a:endParaRPr lang="fr-FR"/>
           </a:p>
@@ -1819,7 +1823,7 @@
           <a:p>
             <a:fld id="{997FB122-61D4-C74C-913F-44DDAC4E3D51}" type="datetimeFigureOut">
               <a:rPr lang="fr-FR" smtClean="0"/>
-              <a:t>13/08/2021</a:t>
+              <a:t>23/08/2021</a:t>
             </a:fld>
             <a:endParaRPr lang="fr-FR"/>
           </a:p>
@@ -1960,7 +1964,7 @@
           <a:p>
             <a:fld id="{997FB122-61D4-C74C-913F-44DDAC4E3D51}" type="datetimeFigureOut">
               <a:rPr lang="fr-FR" smtClean="0"/>
-              <a:t>13/08/2021</a:t>
+              <a:t>23/08/2021</a:t>
             </a:fld>
             <a:endParaRPr lang="fr-FR"/>
           </a:p>
@@ -2073,7 +2077,7 @@
           <a:p>
             <a:fld id="{997FB122-61D4-C74C-913F-44DDAC4E3D51}" type="datetimeFigureOut">
               <a:rPr lang="fr-FR" smtClean="0"/>
-              <a:t>13/08/2021</a:t>
+              <a:t>23/08/2021</a:t>
             </a:fld>
             <a:endParaRPr lang="fr-FR"/>
           </a:p>
@@ -2384,7 +2388,7 @@
           <a:p>
             <a:fld id="{997FB122-61D4-C74C-913F-44DDAC4E3D51}" type="datetimeFigureOut">
               <a:rPr lang="fr-FR" smtClean="0"/>
-              <a:t>13/08/2021</a:t>
+              <a:t>23/08/2021</a:t>
             </a:fld>
             <a:endParaRPr lang="fr-FR"/>
           </a:p>
@@ -2672,7 +2676,7 @@
           <a:p>
             <a:fld id="{997FB122-61D4-C74C-913F-44DDAC4E3D51}" type="datetimeFigureOut">
               <a:rPr lang="fr-FR" smtClean="0"/>
-              <a:t>13/08/2021</a:t>
+              <a:t>23/08/2021</a:t>
             </a:fld>
             <a:endParaRPr lang="fr-FR"/>
           </a:p>
@@ -2913,7 +2917,7 @@
           <a:p>
             <a:fld id="{997FB122-61D4-C74C-913F-44DDAC4E3D51}" type="datetimeFigureOut">
               <a:rPr lang="fr-FR" smtClean="0"/>
-              <a:t>13/08/2021</a:t>
+              <a:t>23/08/2021</a:t>
             </a:fld>
             <a:endParaRPr lang="fr-FR"/>
           </a:p>
@@ -3522,6 +3526,372 @@
         </p:nvSpPr>
         <p:spPr>
           <a:xfrm>
+            <a:off x="1375143" y="994144"/>
+            <a:ext cx="9441712" cy="4869712"/>
+          </a:xfrm>
+          <a:prstGeom prst="rect">
+            <a:avLst/>
+          </a:prstGeom>
+          <a:solidFill>
+            <a:srgbClr val="FF6346"/>
+          </a:solidFill>
+          <a:ln>
+            <a:noFill/>
+          </a:ln>
+        </p:spPr>
+        <p:style>
+          <a:lnRef idx="2">
+            <a:schemeClr val="accent1">
+              <a:shade val="50000"/>
+            </a:schemeClr>
+          </a:lnRef>
+          <a:fillRef idx="1">
+            <a:schemeClr val="accent1"/>
+          </a:fillRef>
+          <a:effectRef idx="0">
+            <a:schemeClr val="accent1"/>
+          </a:effectRef>
+          <a:fontRef idx="minor">
+            <a:schemeClr val="lt1"/>
+          </a:fontRef>
+        </p:style>
+        <p:txBody>
+          <a:bodyPr rtlCol="0" anchor="ctr"/>
+          <a:lstStyle/>
+          <a:p>
+            <a:pPr algn="ctr"/>
+            <a:endParaRPr lang="fr-FR" dirty="0"/>
+          </a:p>
+        </p:txBody>
+      </p:sp>
+      <p:sp>
+        <p:nvSpPr>
+          <p:cNvPr id="4" name="ZoneTexte 3">
+            <a:extLst>
+              <a:ext uri="{FF2B5EF4-FFF2-40B4-BE49-F238E27FC236}">
+                <a16:creationId xmlns:a16="http://schemas.microsoft.com/office/drawing/2014/main" id="{D43C8156-F6DC-F344-84C0-2A4590E66C6C}"/>
+              </a:ext>
+            </a:extLst>
+          </p:cNvPr>
+          <p:cNvSpPr txBox="1"/>
+          <p:nvPr/>
+        </p:nvSpPr>
+        <p:spPr>
+          <a:xfrm>
+            <a:off x="4606209" y="2367170"/>
+            <a:ext cx="6118726" cy="2123658"/>
+          </a:xfrm>
+          <a:prstGeom prst="rect">
+            <a:avLst/>
+          </a:prstGeom>
+          <a:noFill/>
+        </p:spPr>
+        <p:txBody>
+          <a:bodyPr wrap="none" rtlCol="0">
+            <a:spAutoFit/>
+          </a:bodyPr>
+          <a:lstStyle/>
+          <a:p>
+            <a:pPr algn="r"/>
+            <a:r>
+              <a:rPr lang="fr-FR" sz="4400" b="1" dirty="0">
+                <a:latin typeface="Avenir Book" panose="02000503020000020003" pitchFamily="2" charset="0"/>
+                <a:cs typeface="Noto Nastaliq Urdu" panose="020B0502040504020204" pitchFamily="34" charset="-78"/>
+              </a:rPr>
+              <a:t>Rapport de stage 2020</a:t>
+            </a:r>
+          </a:p>
+          <a:p>
+            <a:pPr algn="ctr"/>
+            <a:r>
+              <a:rPr lang="fr-FR" sz="4400" b="1" dirty="0">
+                <a:latin typeface="Avenir Book" panose="02000503020000020003" pitchFamily="2" charset="0"/>
+                <a:cs typeface="Noto Nastaliq Urdu" panose="020B0502040504020204" pitchFamily="34" charset="-78"/>
+              </a:rPr>
+              <a:t>E.Leclerc </a:t>
+            </a:r>
+          </a:p>
+          <a:p>
+            <a:pPr algn="ctr"/>
+            <a:r>
+              <a:rPr lang="fr-FR" sz="4400" b="1" dirty="0">
+                <a:latin typeface="Avenir Book" panose="02000503020000020003" pitchFamily="2" charset="0"/>
+                <a:cs typeface="Noto Nastaliq Urdu" panose="020B0502040504020204" pitchFamily="34" charset="-78"/>
+              </a:rPr>
+              <a:t>Salon de Provence</a:t>
+            </a:r>
+          </a:p>
+        </p:txBody>
+      </p:sp>
+      <p:pic>
+        <p:nvPicPr>
+          <p:cNvPr id="3" name="Image 2">
+            <a:extLst>
+              <a:ext uri="{FF2B5EF4-FFF2-40B4-BE49-F238E27FC236}">
+                <a16:creationId xmlns:a16="http://schemas.microsoft.com/office/drawing/2014/main" id="{704FFCF4-671D-924D-A37D-98FBFE616F07}"/>
+              </a:ext>
+            </a:extLst>
+          </p:cNvPr>
+          <p:cNvPicPr>
+            <a:picLocks noChangeAspect="1"/>
+          </p:cNvPicPr>
+          <p:nvPr/>
+        </p:nvPicPr>
+        <p:blipFill>
+          <a:blip r:embed="rId2"/>
+          <a:stretch>
+            <a:fillRect/>
+          </a:stretch>
+        </p:blipFill>
+        <p:spPr>
+          <a:xfrm>
+            <a:off x="1671718" y="2001643"/>
+            <a:ext cx="2854712" cy="2854712"/>
+          </a:xfrm>
+          <a:prstGeom prst="roundRect">
+            <a:avLst>
+              <a:gd name="adj" fmla="val 16667"/>
+            </a:avLst>
+          </a:prstGeom>
+          <a:ln>
+            <a:noFill/>
+          </a:ln>
+          <a:effectLst/>
+          <a:scene3d>
+            <a:camera prst="orthographicFront"/>
+            <a:lightRig rig="contrasting" dir="t">
+              <a:rot lat="0" lon="0" rev="4200000"/>
+            </a:lightRig>
+          </a:scene3d>
+          <a:sp3d prstMaterial="plastic">
+            <a:contourClr>
+              <a:srgbClr val="969696"/>
+            </a:contourClr>
+          </a:sp3d>
+        </p:spPr>
+      </p:pic>
+    </p:spTree>
+    <p:extLst>
+      <p:ext uri="{BB962C8B-B14F-4D97-AF65-F5344CB8AC3E}">
+        <p14:creationId xmlns:p14="http://schemas.microsoft.com/office/powerpoint/2010/main" val="3854484954"/>
+      </p:ext>
+    </p:extLst>
+  </p:cSld>
+  <p:clrMapOvr>
+    <a:masterClrMapping/>
+  </p:clrMapOvr>
+</p:sld>
+</file>
+
+<file path=ppt/slides/slide3.xml><?xml version="1.0" encoding="utf-8"?>
+<p:sld xmlns:a="http://schemas.openxmlformats.org/drawingml/2006/main" xmlns:r="http://schemas.openxmlformats.org/officeDocument/2006/relationships" xmlns:p="http://schemas.openxmlformats.org/presentationml/2006/main">
+  <p:cSld>
+    <p:spTree>
+      <p:nvGrpSpPr>
+        <p:cNvPr id="1" name=""/>
+        <p:cNvGrpSpPr/>
+        <p:nvPr/>
+      </p:nvGrpSpPr>
+      <p:grpSpPr>
+        <a:xfrm>
+          <a:off x="0" y="0"/>
+          <a:ext cx="0" cy="0"/>
+          <a:chOff x="0" y="0"/>
+          <a:chExt cx="0" cy="0"/>
+        </a:xfrm>
+      </p:grpSpPr>
+      <p:sp>
+        <p:nvSpPr>
+          <p:cNvPr id="5" name="Rectangle 4">
+            <a:extLst>
+              <a:ext uri="{FF2B5EF4-FFF2-40B4-BE49-F238E27FC236}">
+                <a16:creationId xmlns:a16="http://schemas.microsoft.com/office/drawing/2014/main" id="{1F9AD5D4-9304-CA41-BFDC-A1B4789C2BE6}"/>
+              </a:ext>
+            </a:extLst>
+          </p:cNvPr>
+          <p:cNvSpPr/>
+          <p:nvPr/>
+        </p:nvSpPr>
+        <p:spPr>
+          <a:xfrm>
+            <a:off x="1375143" y="994144"/>
+            <a:ext cx="9441712" cy="4869712"/>
+          </a:xfrm>
+          <a:prstGeom prst="rect">
+            <a:avLst/>
+          </a:prstGeom>
+          <a:solidFill>
+            <a:srgbClr val="FF6346"/>
+          </a:solidFill>
+          <a:ln>
+            <a:noFill/>
+          </a:ln>
+        </p:spPr>
+        <p:style>
+          <a:lnRef idx="2">
+            <a:schemeClr val="accent1">
+              <a:shade val="50000"/>
+            </a:schemeClr>
+          </a:lnRef>
+          <a:fillRef idx="1">
+            <a:schemeClr val="accent1"/>
+          </a:fillRef>
+          <a:effectRef idx="0">
+            <a:schemeClr val="accent1"/>
+          </a:effectRef>
+          <a:fontRef idx="minor">
+            <a:schemeClr val="lt1"/>
+          </a:fontRef>
+        </p:style>
+        <p:txBody>
+          <a:bodyPr rtlCol="0" anchor="ctr"/>
+          <a:lstStyle/>
+          <a:p>
+            <a:pPr algn="ctr"/>
+            <a:endParaRPr lang="fr-FR" dirty="0"/>
+          </a:p>
+        </p:txBody>
+      </p:sp>
+      <p:sp>
+        <p:nvSpPr>
+          <p:cNvPr id="4" name="ZoneTexte 3">
+            <a:extLst>
+              <a:ext uri="{FF2B5EF4-FFF2-40B4-BE49-F238E27FC236}">
+                <a16:creationId xmlns:a16="http://schemas.microsoft.com/office/drawing/2014/main" id="{D43C8156-F6DC-F344-84C0-2A4590E66C6C}"/>
+              </a:ext>
+            </a:extLst>
+          </p:cNvPr>
+          <p:cNvSpPr txBox="1"/>
+          <p:nvPr/>
+        </p:nvSpPr>
+        <p:spPr>
+          <a:xfrm>
+            <a:off x="5909750" y="2705724"/>
+            <a:ext cx="3523785" cy="1446550"/>
+          </a:xfrm>
+          <a:prstGeom prst="rect">
+            <a:avLst/>
+          </a:prstGeom>
+          <a:noFill/>
+        </p:spPr>
+        <p:txBody>
+          <a:bodyPr wrap="none" rtlCol="0">
+            <a:spAutoFit/>
+          </a:bodyPr>
+          <a:lstStyle/>
+          <a:p>
+            <a:pPr algn="r"/>
+            <a:r>
+              <a:rPr lang="fr-FR" sz="4400" b="1" dirty="0">
+                <a:latin typeface="Avenir Book" panose="02000503020000020003" pitchFamily="2" charset="0"/>
+                <a:cs typeface="Noto Nastaliq Urdu" panose="020B0502040504020204" pitchFamily="34" charset="-78"/>
+              </a:rPr>
+              <a:t>Qui je suis …</a:t>
+            </a:r>
+          </a:p>
+          <a:p>
+            <a:pPr algn="r"/>
+            <a:r>
+              <a:rPr lang="fr-FR" sz="4400" b="1" dirty="0">
+                <a:latin typeface="Avenir Book" panose="02000503020000020003" pitchFamily="2" charset="0"/>
+                <a:cs typeface="Noto Nastaliq Urdu" panose="020B0502040504020204" pitchFamily="34" charset="-78"/>
+              </a:rPr>
+              <a:t>2019/2020</a:t>
+            </a:r>
+          </a:p>
+        </p:txBody>
+      </p:sp>
+      <p:pic>
+        <p:nvPicPr>
+          <p:cNvPr id="3" name="Image 2">
+            <a:extLst>
+              <a:ext uri="{FF2B5EF4-FFF2-40B4-BE49-F238E27FC236}">
+                <a16:creationId xmlns:a16="http://schemas.microsoft.com/office/drawing/2014/main" id="{704FFCF4-671D-924D-A37D-98FBFE616F07}"/>
+              </a:ext>
+            </a:extLst>
+          </p:cNvPr>
+          <p:cNvPicPr>
+            <a:picLocks noChangeAspect="1"/>
+          </p:cNvPicPr>
+          <p:nvPr/>
+        </p:nvPicPr>
+        <p:blipFill>
+          <a:blip r:embed="rId2"/>
+          <a:stretch>
+            <a:fillRect/>
+          </a:stretch>
+        </p:blipFill>
+        <p:spPr>
+          <a:xfrm>
+            <a:off x="1671718" y="2001643"/>
+            <a:ext cx="2854712" cy="2854712"/>
+          </a:xfrm>
+          <a:prstGeom prst="roundRect">
+            <a:avLst>
+              <a:gd name="adj" fmla="val 16667"/>
+            </a:avLst>
+          </a:prstGeom>
+          <a:ln>
+            <a:noFill/>
+          </a:ln>
+          <a:effectLst/>
+          <a:scene3d>
+            <a:camera prst="orthographicFront"/>
+            <a:lightRig rig="contrasting" dir="t">
+              <a:rot lat="0" lon="0" rev="4200000"/>
+            </a:lightRig>
+          </a:scene3d>
+          <a:sp3d prstMaterial="plastic">
+            <a:contourClr>
+              <a:srgbClr val="969696"/>
+            </a:contourClr>
+          </a:sp3d>
+        </p:spPr>
+      </p:pic>
+    </p:spTree>
+    <p:extLst>
+      <p:ext uri="{BB962C8B-B14F-4D97-AF65-F5344CB8AC3E}">
+        <p14:creationId xmlns:p14="http://schemas.microsoft.com/office/powerpoint/2010/main" val="1420910056"/>
+      </p:ext>
+    </p:extLst>
+  </p:cSld>
+  <p:clrMapOvr>
+    <a:masterClrMapping/>
+  </p:clrMapOvr>
+</p:sld>
+</file>
+
+<file path=ppt/slides/slide4.xml><?xml version="1.0" encoding="utf-8"?>
+<p:sld xmlns:a="http://schemas.openxmlformats.org/drawingml/2006/main" xmlns:r="http://schemas.openxmlformats.org/officeDocument/2006/relationships" xmlns:p="http://schemas.openxmlformats.org/presentationml/2006/main">
+  <p:cSld>
+    <p:spTree>
+      <p:nvGrpSpPr>
+        <p:cNvPr id="1" name=""/>
+        <p:cNvGrpSpPr/>
+        <p:nvPr/>
+      </p:nvGrpSpPr>
+      <p:grpSpPr>
+        <a:xfrm>
+          <a:off x="0" y="0"/>
+          <a:ext cx="0" cy="0"/>
+          <a:chOff x="0" y="0"/>
+          <a:chExt cx="0" cy="0"/>
+        </a:xfrm>
+      </p:grpSpPr>
+      <p:sp>
+        <p:nvSpPr>
+          <p:cNvPr id="5" name="Rectangle 4">
+            <a:extLst>
+              <a:ext uri="{FF2B5EF4-FFF2-40B4-BE49-F238E27FC236}">
+                <a16:creationId xmlns:a16="http://schemas.microsoft.com/office/drawing/2014/main" id="{1F9AD5D4-9304-CA41-BFDC-A1B4789C2BE6}"/>
+              </a:ext>
+            </a:extLst>
+          </p:cNvPr>
+          <p:cNvSpPr/>
+          <p:nvPr/>
+        </p:nvSpPr>
+        <p:spPr>
+          <a:xfrm>
             <a:off x="1360814" y="994144"/>
             <a:ext cx="9441712" cy="4869712"/>
           </a:xfrm>
@@ -3658,7 +4028,7 @@
 </p:sld>
 </file>
 
-<file path=ppt/slides/slide3.xml><?xml version="1.0" encoding="utf-8"?>
+<file path=ppt/slides/slide5.xml><?xml version="1.0" encoding="utf-8"?>
 <p:sld xmlns:a="http://schemas.openxmlformats.org/drawingml/2006/main" xmlns:r="http://schemas.openxmlformats.org/officeDocument/2006/relationships" xmlns:p="http://schemas.openxmlformats.org/presentationml/2006/main">
   <p:cSld>
     <p:spTree>
@@ -3825,7 +4195,194 @@
 </p:sld>
 </file>
 
-<file path=ppt/slides/slide4.xml><?xml version="1.0" encoding="utf-8"?>
+<file path=ppt/slides/slide6.xml><?xml version="1.0" encoding="utf-8"?>
+<p:sld xmlns:a="http://schemas.openxmlformats.org/drawingml/2006/main" xmlns:r="http://schemas.openxmlformats.org/officeDocument/2006/relationships" xmlns:p="http://schemas.openxmlformats.org/presentationml/2006/main">
+  <p:cSld>
+    <p:spTree>
+      <p:nvGrpSpPr>
+        <p:cNvPr id="1" name=""/>
+        <p:cNvGrpSpPr/>
+        <p:nvPr/>
+      </p:nvGrpSpPr>
+      <p:grpSpPr>
+        <a:xfrm>
+          <a:off x="0" y="0"/>
+          <a:ext cx="0" cy="0"/>
+          <a:chOff x="0" y="0"/>
+          <a:chExt cx="0" cy="0"/>
+        </a:xfrm>
+      </p:grpSpPr>
+      <p:sp>
+        <p:nvSpPr>
+          <p:cNvPr id="5" name="Rectangle 4">
+            <a:extLst>
+              <a:ext uri="{FF2B5EF4-FFF2-40B4-BE49-F238E27FC236}">
+                <a16:creationId xmlns:a16="http://schemas.microsoft.com/office/drawing/2014/main" id="{1F9AD5D4-9304-CA41-BFDC-A1B4789C2BE6}"/>
+              </a:ext>
+            </a:extLst>
+          </p:cNvPr>
+          <p:cNvSpPr/>
+          <p:nvPr/>
+        </p:nvSpPr>
+        <p:spPr>
+          <a:xfrm>
+            <a:off x="1360814" y="994144"/>
+            <a:ext cx="9441712" cy="4869712"/>
+          </a:xfrm>
+          <a:prstGeom prst="rect">
+            <a:avLst/>
+          </a:prstGeom>
+          <a:solidFill>
+            <a:schemeClr val="tx1"/>
+          </a:solidFill>
+          <a:ln>
+            <a:noFill/>
+          </a:ln>
+        </p:spPr>
+        <p:style>
+          <a:lnRef idx="2">
+            <a:schemeClr val="accent1">
+              <a:shade val="50000"/>
+            </a:schemeClr>
+          </a:lnRef>
+          <a:fillRef idx="1">
+            <a:schemeClr val="accent1"/>
+          </a:fillRef>
+          <a:effectRef idx="0">
+            <a:schemeClr val="accent1"/>
+          </a:effectRef>
+          <a:fontRef idx="minor">
+            <a:schemeClr val="lt1"/>
+          </a:fontRef>
+        </p:style>
+        <p:txBody>
+          <a:bodyPr rtlCol="0" anchor="ctr"/>
+          <a:lstStyle/>
+          <a:p>
+            <a:pPr algn="ctr"/>
+            <a:endParaRPr lang="fr-FR" dirty="0"/>
+          </a:p>
+        </p:txBody>
+      </p:sp>
+      <p:sp>
+        <p:nvSpPr>
+          <p:cNvPr id="4" name="ZoneTexte 3">
+            <a:extLst>
+              <a:ext uri="{FF2B5EF4-FFF2-40B4-BE49-F238E27FC236}">
+                <a16:creationId xmlns:a16="http://schemas.microsoft.com/office/drawing/2014/main" id="{D43C8156-F6DC-F344-84C0-2A4590E66C6C}"/>
+              </a:ext>
+            </a:extLst>
+          </p:cNvPr>
+          <p:cNvSpPr txBox="1"/>
+          <p:nvPr/>
+        </p:nvSpPr>
+        <p:spPr>
+          <a:xfrm>
+            <a:off x="4798307" y="2367170"/>
+            <a:ext cx="5782352" cy="2123658"/>
+          </a:xfrm>
+          <a:prstGeom prst="rect">
+            <a:avLst/>
+          </a:prstGeom>
+          <a:noFill/>
+        </p:spPr>
+        <p:txBody>
+          <a:bodyPr wrap="none" rtlCol="0">
+            <a:spAutoFit/>
+          </a:bodyPr>
+          <a:lstStyle/>
+          <a:p>
+            <a:pPr algn="ctr"/>
+            <a:r>
+              <a:rPr lang="fr-FR" sz="4400" b="1" dirty="0">
+                <a:solidFill>
+                  <a:schemeClr val="bg1"/>
+                </a:solidFill>
+                <a:latin typeface="Avenir Book" panose="02000503020000020003" pitchFamily="2" charset="0"/>
+                <a:cs typeface="Noto Nastaliq Urdu" panose="020B0502040504020204" pitchFamily="34" charset="-78"/>
+              </a:rPr>
+              <a:t>Maitriser les bases de </a:t>
+            </a:r>
+          </a:p>
+          <a:p>
+            <a:pPr algn="ctr"/>
+            <a:r>
+              <a:rPr lang="fr-FR" sz="4400" b="1" dirty="0">
+                <a:solidFill>
+                  <a:schemeClr val="bg1"/>
+                </a:solidFill>
+                <a:latin typeface="Avenir Book" panose="02000503020000020003" pitchFamily="2" charset="0"/>
+                <a:cs typeface="Noto Nastaliq Urdu" panose="020B0502040504020204" pitchFamily="34" charset="-78"/>
+              </a:rPr>
+              <a:t>l’invite de </a:t>
+            </a:r>
+          </a:p>
+          <a:p>
+            <a:pPr algn="ctr"/>
+            <a:r>
+              <a:rPr lang="fr-FR" sz="4400" b="1" dirty="0">
+                <a:solidFill>
+                  <a:schemeClr val="bg1"/>
+                </a:solidFill>
+                <a:latin typeface="Avenir Book" panose="02000503020000020003" pitchFamily="2" charset="0"/>
+                <a:cs typeface="Noto Nastaliq Urdu" panose="020B0502040504020204" pitchFamily="34" charset="-78"/>
+              </a:rPr>
+              <a:t>Commande Windows</a:t>
+            </a:r>
+            <a:endParaRPr lang="fr-FR" sz="4800" b="1" dirty="0">
+              <a:solidFill>
+                <a:schemeClr val="bg1"/>
+              </a:solidFill>
+              <a:latin typeface="Avenir Book" panose="02000503020000020003" pitchFamily="2" charset="0"/>
+              <a:cs typeface="Noto Nastaliq Urdu" panose="020B0502040504020204" pitchFamily="34" charset="-78"/>
+            </a:endParaRPr>
+          </a:p>
+        </p:txBody>
+      </p:sp>
+      <p:pic>
+        <p:nvPicPr>
+          <p:cNvPr id="3" name="Image 2" descr="Une image contenant bâtiment, fenêtre&#10;&#10;Description générée automatiquement">
+            <a:extLst>
+              <a:ext uri="{FF2B5EF4-FFF2-40B4-BE49-F238E27FC236}">
+                <a16:creationId xmlns:a16="http://schemas.microsoft.com/office/drawing/2014/main" id="{8B358367-A936-8F4E-8CE6-86AB57652C78}"/>
+              </a:ext>
+            </a:extLst>
+          </p:cNvPr>
+          <p:cNvPicPr>
+            <a:picLocks noChangeAspect="1"/>
+          </p:cNvPicPr>
+          <p:nvPr/>
+        </p:nvPicPr>
+        <p:blipFill>
+          <a:blip r:embed="rId2"/>
+          <a:stretch>
+            <a:fillRect/>
+          </a:stretch>
+        </p:blipFill>
+        <p:spPr>
+          <a:xfrm>
+            <a:off x="2234497" y="2440243"/>
+            <a:ext cx="1945618" cy="1977513"/>
+          </a:xfrm>
+          <a:prstGeom prst="rect">
+            <a:avLst/>
+          </a:prstGeom>
+        </p:spPr>
+      </p:pic>
+    </p:spTree>
+    <p:extLst>
+      <p:ext uri="{BB962C8B-B14F-4D97-AF65-F5344CB8AC3E}">
+        <p14:creationId xmlns:p14="http://schemas.microsoft.com/office/powerpoint/2010/main" val="797358732"/>
+      </p:ext>
+    </p:extLst>
+  </p:cSld>
+  <p:clrMapOvr>
+    <a:masterClrMapping/>
+  </p:clrMapOvr>
+</p:sld>
+</file>
+
+<file path=ppt/slides/slide7.xml><?xml version="1.0" encoding="utf-8"?>
 <p:sld xmlns:a="http://schemas.openxmlformats.org/drawingml/2006/main" xmlns:r="http://schemas.openxmlformats.org/officeDocument/2006/relationships" xmlns:p="http://schemas.openxmlformats.org/presentationml/2006/main">
   <p:cSld>
     <p:spTree>
@@ -3992,7 +4549,190 @@
 </p:sld>
 </file>
 
-<file path=ppt/slides/slide5.xml><?xml version="1.0" encoding="utf-8"?>
+<file path=ppt/slides/slide8.xml><?xml version="1.0" encoding="utf-8"?>
+<p:sld xmlns:a="http://schemas.openxmlformats.org/drawingml/2006/main" xmlns:r="http://schemas.openxmlformats.org/officeDocument/2006/relationships" xmlns:p="http://schemas.openxmlformats.org/presentationml/2006/main">
+  <p:cSld>
+    <p:spTree>
+      <p:nvGrpSpPr>
+        <p:cNvPr id="1" name=""/>
+        <p:cNvGrpSpPr/>
+        <p:nvPr/>
+      </p:nvGrpSpPr>
+      <p:grpSpPr>
+        <a:xfrm>
+          <a:off x="0" y="0"/>
+          <a:ext cx="0" cy="0"/>
+          <a:chOff x="0" y="0"/>
+          <a:chExt cx="0" cy="0"/>
+        </a:xfrm>
+      </p:grpSpPr>
+      <p:sp>
+        <p:nvSpPr>
+          <p:cNvPr id="5" name="Rectangle 4">
+            <a:extLst>
+              <a:ext uri="{FF2B5EF4-FFF2-40B4-BE49-F238E27FC236}">
+                <a16:creationId xmlns:a16="http://schemas.microsoft.com/office/drawing/2014/main" id="{1F9AD5D4-9304-CA41-BFDC-A1B4789C2BE6}"/>
+              </a:ext>
+            </a:extLst>
+          </p:cNvPr>
+          <p:cNvSpPr/>
+          <p:nvPr/>
+        </p:nvSpPr>
+        <p:spPr>
+          <a:xfrm>
+            <a:off x="1360814" y="994144"/>
+            <a:ext cx="9441712" cy="4869712"/>
+          </a:xfrm>
+          <a:prstGeom prst="rect">
+            <a:avLst/>
+          </a:prstGeom>
+          <a:solidFill>
+            <a:srgbClr val="003C37"/>
+          </a:solidFill>
+          <a:ln>
+            <a:noFill/>
+          </a:ln>
+        </p:spPr>
+        <p:style>
+          <a:lnRef idx="2">
+            <a:schemeClr val="accent1">
+              <a:shade val="50000"/>
+            </a:schemeClr>
+          </a:lnRef>
+          <a:fillRef idx="1">
+            <a:schemeClr val="accent1"/>
+          </a:fillRef>
+          <a:effectRef idx="0">
+            <a:schemeClr val="accent1"/>
+          </a:effectRef>
+          <a:fontRef idx="minor">
+            <a:schemeClr val="lt1"/>
+          </a:fontRef>
+        </p:style>
+        <p:txBody>
+          <a:bodyPr rtlCol="0" anchor="ctr"/>
+          <a:lstStyle/>
+          <a:p>
+            <a:pPr algn="ctr"/>
+            <a:endParaRPr lang="fr-FR" dirty="0"/>
+          </a:p>
+        </p:txBody>
+      </p:sp>
+      <p:sp>
+        <p:nvSpPr>
+          <p:cNvPr id="4" name="ZoneTexte 3">
+            <a:extLst>
+              <a:ext uri="{FF2B5EF4-FFF2-40B4-BE49-F238E27FC236}">
+                <a16:creationId xmlns:a16="http://schemas.microsoft.com/office/drawing/2014/main" id="{D43C8156-F6DC-F344-84C0-2A4590E66C6C}"/>
+              </a:ext>
+            </a:extLst>
+          </p:cNvPr>
+          <p:cNvSpPr txBox="1"/>
+          <p:nvPr/>
+        </p:nvSpPr>
+        <p:spPr>
+          <a:xfrm>
+            <a:off x="1209818" y="1347695"/>
+            <a:ext cx="9743704" cy="2185214"/>
+          </a:xfrm>
+          <a:prstGeom prst="rect">
+            <a:avLst/>
+          </a:prstGeom>
+          <a:noFill/>
+        </p:spPr>
+        <p:txBody>
+          <a:bodyPr wrap="square" rtlCol="0">
+            <a:spAutoFit/>
+          </a:bodyPr>
+          <a:lstStyle/>
+          <a:p>
+            <a:pPr algn="ctr"/>
+            <a:r>
+              <a:rPr lang="fr-FR" sz="4400" b="1" dirty="0">
+                <a:solidFill>
+                  <a:schemeClr val="bg1"/>
+                </a:solidFill>
+                <a:latin typeface="Avenir Book" panose="02000503020000020003" pitchFamily="2" charset="0"/>
+                <a:cs typeface="Noto Nastaliq Urdu" panose="020B0502040504020204" pitchFamily="34" charset="-78"/>
+              </a:rPr>
+              <a:t>Configurer et monter son ordinateur </a:t>
+            </a:r>
+          </a:p>
+          <a:p>
+            <a:pPr algn="ctr"/>
+            <a:r>
+              <a:rPr lang="fr-FR" sz="4400" b="1" dirty="0">
+                <a:solidFill>
+                  <a:schemeClr val="bg1"/>
+                </a:solidFill>
+                <a:latin typeface="Avenir Book" panose="02000503020000020003" pitchFamily="2" charset="0"/>
+                <a:cs typeface="Noto Nastaliq Urdu" panose="020B0502040504020204" pitchFamily="34" charset="-78"/>
+              </a:rPr>
+              <a:t>sois même</a:t>
+            </a:r>
+          </a:p>
+          <a:p>
+            <a:pPr algn="ctr"/>
+            <a:endParaRPr lang="fr-FR" sz="4800" b="1" dirty="0">
+              <a:solidFill>
+                <a:schemeClr val="bg1"/>
+              </a:solidFill>
+              <a:latin typeface="Avenir Book" panose="02000503020000020003" pitchFamily="2" charset="0"/>
+              <a:cs typeface="Noto Nastaliq Urdu" panose="020B0502040504020204" pitchFamily="34" charset="-78"/>
+            </a:endParaRPr>
+          </a:p>
+        </p:txBody>
+      </p:sp>
+      <p:pic>
+        <p:nvPicPr>
+          <p:cNvPr id="3" name="Image 2" descr="Une image contenant intérieur, projecteur, panneau de configuration&#10;&#10;Description générée automatiquement">
+            <a:extLst>
+              <a:ext uri="{FF2B5EF4-FFF2-40B4-BE49-F238E27FC236}">
+                <a16:creationId xmlns:a16="http://schemas.microsoft.com/office/drawing/2014/main" id="{4532697E-9FF5-A44A-BAB0-2E59F0758F17}"/>
+              </a:ext>
+            </a:extLst>
+          </p:cNvPr>
+          <p:cNvPicPr>
+            <a:picLocks noChangeAspect="1"/>
+          </p:cNvPicPr>
+          <p:nvPr/>
+        </p:nvPicPr>
+        <p:blipFill>
+          <a:blip r:embed="rId2"/>
+          <a:stretch>
+            <a:fillRect/>
+          </a:stretch>
+        </p:blipFill>
+        <p:spPr>
+          <a:xfrm>
+            <a:off x="3468953" y="2790701"/>
+            <a:ext cx="5254094" cy="2955428"/>
+          </a:xfrm>
+          <a:prstGeom prst="rect">
+            <a:avLst/>
+          </a:prstGeom>
+          <a:ln>
+            <a:noFill/>
+          </a:ln>
+          <a:effectLst>
+            <a:softEdge rad="112500"/>
+          </a:effectLst>
+        </p:spPr>
+      </p:pic>
+    </p:spTree>
+    <p:extLst>
+      <p:ext uri="{BB962C8B-B14F-4D97-AF65-F5344CB8AC3E}">
+        <p14:creationId xmlns:p14="http://schemas.microsoft.com/office/powerpoint/2010/main" val="48856208"/>
+      </p:ext>
+    </p:extLst>
+  </p:cSld>
+  <p:clrMapOvr>
+    <a:masterClrMapping/>
+  </p:clrMapOvr>
+</p:sld>
+</file>
+
+<file path=ppt/slides/slide9.xml><?xml version="1.0" encoding="utf-8"?>
 <p:sld xmlns:a="http://schemas.openxmlformats.org/drawingml/2006/main" xmlns:r="http://schemas.openxmlformats.org/officeDocument/2006/relationships" xmlns:p="http://schemas.openxmlformats.org/presentationml/2006/main">
   <p:cSld>
     <p:spTree>
